--- a/Module5 -Introduction to PHP/IARE_WSE05_6Handling sessions and cookies.pptx
+++ b/Module5 -Introduction to PHP/IARE_WSE05_6Handling sessions and cookies.pptx
@@ -5,31 +5,28 @@
     <p:sldMasterId id="2147483648" r:id="rId1"/>
   </p:sldMasterIdLst>
   <p:notesMasterIdLst>
-    <p:notesMasterId r:id="rId12"/>
+    <p:notesMasterId r:id="rId9"/>
   </p:notesMasterIdLst>
   <p:handoutMasterIdLst>
-    <p:handoutMasterId r:id="rId13"/>
+    <p:handoutMasterId r:id="rId10"/>
   </p:handoutMasterIdLst>
   <p:sldIdLst>
     <p:sldId id="491" r:id="rId2"/>
-    <p:sldId id="765" r:id="rId3"/>
-    <p:sldId id="760" r:id="rId4"/>
-    <p:sldId id="761" r:id="rId5"/>
+    <p:sldId id="763" r:id="rId3"/>
+    <p:sldId id="764" r:id="rId4"/>
+    <p:sldId id="765" r:id="rId5"/>
     <p:sldId id="762" r:id="rId6"/>
-    <p:sldId id="763" r:id="rId7"/>
-    <p:sldId id="764" r:id="rId8"/>
-    <p:sldId id="766" r:id="rId9"/>
-    <p:sldId id="767" r:id="rId10"/>
-    <p:sldId id="743" r:id="rId11"/>
+    <p:sldId id="767" r:id="rId7"/>
+    <p:sldId id="743" r:id="rId8"/>
   </p:sldIdLst>
   <p:sldSz cx="9144000" cy="5143500" type="screen16x9"/>
   <p:notesSz cx="6858000" cy="9296400"/>
   <p:embeddedFontLst>
     <p:embeddedFont>
       <p:font typeface="Garamond" panose="02020404030301010803" pitchFamily="18" charset="0"/>
-      <p:regular r:id="rId14"/>
-      <p:bold r:id="rId15"/>
-      <p:italic r:id="rId16"/>
+      <p:regular r:id="rId11"/>
+      <p:bold r:id="rId12"/>
+      <p:italic r:id="rId13"/>
     </p:embeddedFont>
   </p:embeddedFontLst>
   <p:defaultTextStyle>
@@ -1621,7 +1618,7 @@
           <a:p>
             <a:fld id="{40809F3C-EB3C-498F-A7EF-0555AFEB2E5D}" type="datetimeFigureOut">
               <a:rPr lang="en-US" smtClean="0"/>
-              <a:t>4/11/2025</a:t>
+              <a:t>4/25/2025</a:t>
             </a:fld>
             <a:endParaRPr lang="en-US"/>
           </a:p>
@@ -4380,99 +4377,6 @@
 </p:sld>
 </file>
 
-<file path=ppt/slides/slide10.xml><?xml version="1.0" encoding="utf-8"?>
-<p:sld xmlns:a="http://schemas.openxmlformats.org/drawingml/2006/main" xmlns:r="http://schemas.openxmlformats.org/officeDocument/2006/relationships" xmlns:p="http://schemas.openxmlformats.org/presentationml/2006/main">
-  <p:cSld>
-    <p:spTree>
-      <p:nvGrpSpPr>
-        <p:cNvPr id="1" name=""/>
-        <p:cNvGrpSpPr/>
-        <p:nvPr/>
-      </p:nvGrpSpPr>
-      <p:grpSpPr>
-        <a:xfrm>
-          <a:off x="0" y="0"/>
-          <a:ext cx="0" cy="0"/>
-          <a:chOff x="0" y="0"/>
-          <a:chExt cx="0" cy="0"/>
-        </a:xfrm>
-      </p:grpSpPr>
-      <p:sp>
-        <p:nvSpPr>
-          <p:cNvPr id="4" name="Slide Number Placeholder 3"/>
-          <p:cNvSpPr>
-            <a:spLocks noGrp="1"/>
-          </p:cNvSpPr>
-          <p:nvPr>
-            <p:ph type="sldNum" sz="quarter" idx="12"/>
-          </p:nvPr>
-        </p:nvSpPr>
-        <p:spPr/>
-        <p:txBody>
-          <a:bodyPr/>
-          <a:lstStyle/>
-          <a:p>
-            <a:fld id="{CE02F3F4-978A-4F22-8904-DD1959DE0DD5}" type="slidenum">
-              <a:rPr lang="en-US" smtClean="0"/>
-              <a:t>10</a:t>
-            </a:fld>
-            <a:endParaRPr lang="en-US"/>
-          </a:p>
-        </p:txBody>
-      </p:sp>
-      <p:sp>
-        <p:nvSpPr>
-          <p:cNvPr id="7" name="Text Box 6"/>
-          <p:cNvSpPr txBox="1"/>
-          <p:nvPr/>
-        </p:nvSpPr>
-        <p:spPr>
-          <a:xfrm>
-            <a:off x="600710" y="2225040"/>
-            <a:ext cx="7943215" cy="2101850"/>
-          </a:xfrm>
-          <a:prstGeom prst="rect">
-            <a:avLst/>
-          </a:prstGeom>
-        </p:spPr>
-        <p:txBody>
-          <a:bodyPr wrap="square">
-            <a:noAutofit/>
-          </a:bodyPr>
-          <a:lstStyle/>
-          <a:p>
-            <a:pPr marL="457200" lvl="1" indent="457200" fontAlgn="base">
-              <a:spcBef>
-                <a:spcPts val="1400"/>
-              </a:spcBef>
-              <a:spcAft>
-                <a:spcPts val="400"/>
-              </a:spcAft>
-            </a:pPr>
-            <a:r>
-              <a:rPr lang="en-GB" sz="5400" b="0" i="0">
-                <a:solidFill>
-                  <a:srgbClr val="000000"/>
-                </a:solidFill>
-                <a:latin typeface="Arial" panose="020B0604020202020204"/>
-                <a:ea typeface="Arial" panose="020B0604020202020204"/>
-              </a:rPr>
-              <a:t>Thank You</a:t>
-            </a:r>
-          </a:p>
-        </p:txBody>
-      </p:sp>
-    </p:spTree>
-  </p:cSld>
-  <p:clrMapOvr>
-    <a:masterClrMapping/>
-  </p:clrMapOvr>
-  <p:transition>
-    <p:fade/>
-  </p:transition>
-</p:sld>
-</file>
-
 <file path=ppt/slides/slide2.xml><?xml version="1.0" encoding="utf-8"?>
 <p:sld xmlns:a="http://schemas.openxmlformats.org/drawingml/2006/main" xmlns:r="http://schemas.openxmlformats.org/officeDocument/2006/relationships" xmlns:p="http://schemas.openxmlformats.org/presentationml/2006/main">
   <p:cSld>
@@ -4536,7 +4440,7 @@
             <a:pPr algn="l"/>
             <a:r>
               <a:rPr lang="en-IN" sz="1800" dirty="0"/>
-              <a:t>Handling sessions and cookies</a:t>
+              <a:t>Handling sessions</a:t>
             </a:r>
             <a:endParaRPr lang="en-US" altLang="en-GB" sz="1800" dirty="0"/>
           </a:p>
@@ -4544,10 +4448,10 @@
       </p:sp>
       <p:sp>
         <p:nvSpPr>
-          <p:cNvPr id="3" name="TextBox 2">
+          <p:cNvPr id="7" name="TextBox 6">
             <a:extLst>
               <a:ext uri="{FF2B5EF4-FFF2-40B4-BE49-F238E27FC236}">
-                <a16:creationId xmlns:a16="http://schemas.microsoft.com/office/drawing/2014/main" id="{B1BE761B-65A6-5078-35EE-97058E48FB18}"/>
+                <a16:creationId xmlns:a16="http://schemas.microsoft.com/office/drawing/2014/main" id="{0A89795E-4F61-B005-983E-04852D1B90B2}"/>
               </a:ext>
             </a:extLst>
           </p:cNvPr>
@@ -4556,8 +4460,8 @@
         </p:nvSpPr>
         <p:spPr bwMode="auto">
           <a:xfrm>
-            <a:off x="191134" y="575493"/>
-            <a:ext cx="7972425" cy="646331"/>
+            <a:off x="191135" y="390836"/>
+            <a:ext cx="8632232" cy="4524315"/>
           </a:xfrm>
           <a:prstGeom prst="rect">
             <a:avLst/>
@@ -4574,56 +4478,236 @@
           </a:bodyPr>
           <a:lstStyle/>
           <a:p>
-            <a:r>
-              <a:rPr lang="en-US" dirty="0"/>
-              <a:t>let’s dive into </a:t>
-            </a:r>
-            <a:r>
-              <a:rPr lang="en-US" b="1" dirty="0"/>
-              <a:t>handling sessions and cookies in PHP</a:t>
-            </a:r>
-            <a:r>
-              <a:rPr lang="en-US" dirty="0"/>
-              <a:t>, both super important for things like user logins, preferences, carts, etc.</a:t>
-            </a:r>
-            <a:endParaRPr lang="en-IN" dirty="0"/>
+            <a:pPr algn="l"/>
+            <a:r>
+              <a:rPr lang="en-US" sz="1600" b="1" i="0" dirty="0">
+                <a:solidFill>
+                  <a:srgbClr val="000000"/>
+                </a:solidFill>
+                <a:effectLst/>
+                <a:latin typeface="Mulish"/>
+              </a:rPr>
+              <a:t>What is a Session in PHP?</a:t>
+            </a:r>
+            <a:endParaRPr lang="en-US" sz="1600" b="1" i="0" dirty="0">
+              <a:solidFill>
+                <a:srgbClr val="343434"/>
+              </a:solidFill>
+              <a:effectLst/>
+              <a:latin typeface="Mulish"/>
+            </a:endParaRPr>
+          </a:p>
+          <a:p>
+            <a:pPr algn="l"/>
+            <a:r>
+              <a:rPr lang="en-US" sz="1600" b="0" i="0" dirty="0">
+                <a:solidFill>
+                  <a:srgbClr val="000000"/>
+                </a:solidFill>
+                <a:effectLst/>
+                <a:latin typeface="Mulish"/>
+              </a:rPr>
+              <a:t>A </a:t>
+            </a:r>
+            <a:r>
+              <a:rPr lang="en-US" sz="1600" b="0" i="0" u="none" strike="noStrike" dirty="0">
+                <a:solidFill>
+                  <a:srgbClr val="000000"/>
+                </a:solidFill>
+                <a:effectLst/>
+                <a:latin typeface="Mulish"/>
+                <a:hlinkClick r:id="rId2"/>
+              </a:rPr>
+              <a:t>session in PHP</a:t>
+            </a:r>
+            <a:r>
+              <a:rPr lang="en-US" sz="1600" b="0" i="0" dirty="0">
+                <a:solidFill>
+                  <a:srgbClr val="000000"/>
+                </a:solidFill>
+                <a:effectLst/>
+                <a:latin typeface="Mulish"/>
+              </a:rPr>
+              <a:t> is a way to preserve certain data across subsequent accesses by the same user. When a session starts, PHP allocates a unique session ID to the user. This ID is typically stored in a cookie on the user's computer and is sent back to the server with each request. </a:t>
+            </a:r>
+          </a:p>
+          <a:p>
+            <a:pPr algn="l"/>
+            <a:endParaRPr lang="en-US" sz="1600" dirty="0">
+              <a:solidFill>
+                <a:srgbClr val="000000"/>
+              </a:solidFill>
+              <a:latin typeface="Mulish"/>
+            </a:endParaRPr>
+          </a:p>
+          <a:p>
+            <a:pPr algn="l"/>
+            <a:r>
+              <a:rPr lang="en-US" sz="1600" b="0" i="0" dirty="0">
+                <a:solidFill>
+                  <a:srgbClr val="000000"/>
+                </a:solidFill>
+                <a:effectLst/>
+                <a:latin typeface="Mulish"/>
+              </a:rPr>
+              <a:t>This mechanism allows the server to maintain a consistent user state and data across different page requests, which is crucial for functionalities like user logins, shopping carts, and personalized user experiences.</a:t>
+            </a:r>
+          </a:p>
+          <a:p>
+            <a:pPr algn="l"/>
+            <a:endParaRPr lang="en-US" sz="1600" b="0" i="0" dirty="0">
+              <a:solidFill>
+                <a:srgbClr val="7F7F7F"/>
+              </a:solidFill>
+              <a:effectLst/>
+              <a:latin typeface="Mulish"/>
+            </a:endParaRPr>
+          </a:p>
+          <a:p>
+            <a:pPr algn="l"/>
+            <a:r>
+              <a:rPr lang="en-US" sz="1600" b="1" i="0" dirty="0">
+                <a:solidFill>
+                  <a:srgbClr val="141414"/>
+                </a:solidFill>
+                <a:effectLst/>
+                <a:latin typeface="Mulish"/>
+              </a:rPr>
+              <a:t>Why Sessions are Useful?</a:t>
+            </a:r>
+            <a:endParaRPr lang="en-US" sz="1600" b="1" i="0" dirty="0">
+              <a:solidFill>
+                <a:srgbClr val="616161"/>
+              </a:solidFill>
+              <a:effectLst/>
+              <a:latin typeface="Mulish"/>
+            </a:endParaRPr>
+          </a:p>
+          <a:p>
+            <a:pPr algn="l"/>
+            <a:r>
+              <a:rPr lang="en-US" sz="1600" b="0" i="0" dirty="0">
+                <a:solidFill>
+                  <a:srgbClr val="000000"/>
+                </a:solidFill>
+                <a:effectLst/>
+                <a:latin typeface="Mulish"/>
+              </a:rPr>
+              <a:t>Sessions are instrumental in maintaining a continuous user experience in stateless HTTP protocol. They help in:</a:t>
+            </a:r>
+            <a:endParaRPr lang="en-US" sz="1600" b="0" i="0" dirty="0">
+              <a:solidFill>
+                <a:srgbClr val="7F7F7F"/>
+              </a:solidFill>
+              <a:effectLst/>
+              <a:latin typeface="Mulish"/>
+            </a:endParaRPr>
+          </a:p>
+          <a:p>
+            <a:pPr algn="l">
+              <a:buFont typeface="+mj-lt"/>
+              <a:buAutoNum type="arabicPeriod"/>
+            </a:pPr>
+            <a:r>
+              <a:rPr lang="en-US" sz="1600" b="1" i="0" dirty="0">
+                <a:solidFill>
+                  <a:srgbClr val="141414"/>
+                </a:solidFill>
+                <a:effectLst/>
+                <a:latin typeface="Mulish"/>
+              </a:rPr>
+              <a:t>User Authentication: </a:t>
+            </a:r>
+            <a:r>
+              <a:rPr lang="en-US" sz="1600" b="0" i="0" dirty="0">
+                <a:solidFill>
+                  <a:srgbClr val="000000"/>
+                </a:solidFill>
+                <a:effectLst/>
+                <a:latin typeface="Mulish"/>
+              </a:rPr>
+              <a:t>Sessions store user login information, ensuring users remain authenticated as they navigate through different parts of a website.</a:t>
+            </a:r>
+            <a:endParaRPr lang="en-US" sz="1600" b="0" i="0" dirty="0">
+              <a:solidFill>
+                <a:srgbClr val="7F7F7F"/>
+              </a:solidFill>
+              <a:effectLst/>
+              <a:latin typeface="Mulish"/>
+            </a:endParaRPr>
+          </a:p>
+          <a:p>
+            <a:pPr algn="l">
+              <a:buFont typeface="+mj-lt"/>
+              <a:buAutoNum type="arabicPeriod"/>
+            </a:pPr>
+            <a:r>
+              <a:rPr lang="en-US" sz="1600" b="1" i="0" dirty="0">
+                <a:solidFill>
+                  <a:srgbClr val="141414"/>
+                </a:solidFill>
+                <a:effectLst/>
+                <a:latin typeface="Mulish"/>
+              </a:rPr>
+              <a:t>Data Persistence:</a:t>
+            </a:r>
+            <a:r>
+              <a:rPr lang="en-US" sz="1600" b="0" i="0" dirty="0">
+                <a:solidFill>
+                  <a:srgbClr val="000000"/>
+                </a:solidFill>
+                <a:effectLst/>
+                <a:latin typeface="Mulish"/>
+              </a:rPr>
+              <a:t> Information like user preferences, application states, and shopping cart contents can be retained throughout the user session.</a:t>
+            </a:r>
+            <a:endParaRPr lang="en-US" sz="1600" b="0" i="0" dirty="0">
+              <a:solidFill>
+                <a:srgbClr val="7F7F7F"/>
+              </a:solidFill>
+              <a:effectLst/>
+              <a:latin typeface="Mulish"/>
+            </a:endParaRPr>
+          </a:p>
+          <a:p>
+            <a:pPr algn="l">
+              <a:buFont typeface="+mj-lt"/>
+              <a:buAutoNum type="arabicPeriod"/>
+            </a:pPr>
+            <a:r>
+              <a:rPr lang="en-US" sz="1600" b="1" i="0" dirty="0">
+                <a:solidFill>
+                  <a:srgbClr val="141414"/>
+                </a:solidFill>
+                <a:effectLst/>
+                <a:latin typeface="Mulish"/>
+              </a:rPr>
+              <a:t>Security</a:t>
+            </a:r>
+            <a:r>
+              <a:rPr lang="en-US" sz="1600" b="0" i="0" dirty="0">
+                <a:solidFill>
+                  <a:srgbClr val="000000"/>
+                </a:solidFill>
+                <a:effectLst/>
+                <a:latin typeface="Mulish"/>
+              </a:rPr>
+              <a:t>: By storing sensitive information on the server side, sessions reduce the risk of data manipulation that could happen if such information were stored in the client-side cookies.</a:t>
+            </a:r>
+            <a:endParaRPr lang="en-US" sz="1600" b="0" i="0" dirty="0">
+              <a:solidFill>
+                <a:srgbClr val="7F7F7F"/>
+              </a:solidFill>
+              <a:effectLst/>
+              <a:latin typeface="Mulish"/>
+            </a:endParaRPr>
           </a:p>
         </p:txBody>
       </p:sp>
-      <p:pic>
-        <p:nvPicPr>
-          <p:cNvPr id="7" name="Picture 6">
-            <a:extLst>
-              <a:ext uri="{FF2B5EF4-FFF2-40B4-BE49-F238E27FC236}">
-                <a16:creationId xmlns:a16="http://schemas.microsoft.com/office/drawing/2014/main" id="{8DC22F33-CECA-CAD4-B558-908C78CA03E6}"/>
-              </a:ext>
-            </a:extLst>
-          </p:cNvPr>
-          <p:cNvPicPr>
-            <a:picLocks noChangeAspect="1"/>
-          </p:cNvPicPr>
-          <p:nvPr/>
-        </p:nvPicPr>
-        <p:blipFill>
-          <a:blip r:embed="rId2"/>
-          <a:stretch>
-            <a:fillRect/>
-          </a:stretch>
-        </p:blipFill>
-        <p:spPr>
-          <a:xfrm>
-            <a:off x="356260" y="1290637"/>
-            <a:ext cx="8292440" cy="3277370"/>
-          </a:xfrm>
-          <a:prstGeom prst="rect">
-            <a:avLst/>
-          </a:prstGeom>
-        </p:spPr>
-      </p:pic>
     </p:spTree>
     <p:extLst>
       <p:ext uri="{BB962C8B-B14F-4D97-AF65-F5344CB8AC3E}">
-        <p14:creationId xmlns:p14="http://schemas.microsoft.com/office/powerpoint/2010/main" val="3361634858"/>
+        <p14:creationId xmlns:p14="http://schemas.microsoft.com/office/powerpoint/2010/main" val="3154372604"/>
       </p:ext>
     </p:extLst>
   </p:cSld>
@@ -4699,7 +4783,7 @@
             <a:pPr algn="l"/>
             <a:r>
               <a:rPr lang="en-IN" sz="1800" dirty="0"/>
-              <a:t>Handling sessions and cookies</a:t>
+              <a:t>Cookies</a:t>
             </a:r>
             <a:endParaRPr lang="en-US" altLang="en-GB" sz="1800" dirty="0"/>
           </a:p>
@@ -4707,10 +4791,10 @@
       </p:sp>
       <p:sp>
         <p:nvSpPr>
-          <p:cNvPr id="6" name="TextBox 5">
+          <p:cNvPr id="3" name="TextBox 2">
             <a:extLst>
               <a:ext uri="{FF2B5EF4-FFF2-40B4-BE49-F238E27FC236}">
-                <a16:creationId xmlns:a16="http://schemas.microsoft.com/office/drawing/2014/main" id="{2A257A14-8105-2923-1BD7-A9C6A11563AB}"/>
+                <a16:creationId xmlns:a16="http://schemas.microsoft.com/office/drawing/2014/main" id="{E832E600-6CCA-C85D-A156-D88E9E63CC2E}"/>
               </a:ext>
             </a:extLst>
           </p:cNvPr>
@@ -4719,8 +4803,8 @@
         </p:nvSpPr>
         <p:spPr bwMode="auto">
           <a:xfrm>
-            <a:off x="285007" y="352058"/>
-            <a:ext cx="4399808" cy="369332"/>
+            <a:off x="191135" y="534501"/>
+            <a:ext cx="8274938" cy="3693319"/>
           </a:xfrm>
           <a:prstGeom prst="rect">
             <a:avLst/>
@@ -4737,284 +4821,204 @@
           </a:bodyPr>
           <a:lstStyle/>
           <a:p>
-            <a:r>
-              <a:rPr lang="en-IN" dirty="0"/>
-              <a:t>Starting a Session : </a:t>
-            </a:r>
-          </a:p>
-        </p:txBody>
-      </p:sp>
-      <p:sp>
-        <p:nvSpPr>
-          <p:cNvPr id="8" name="TextBox 7">
-            <a:extLst>
-              <a:ext uri="{FF2B5EF4-FFF2-40B4-BE49-F238E27FC236}">
-                <a16:creationId xmlns:a16="http://schemas.microsoft.com/office/drawing/2014/main" id="{88F645AA-A1AB-3C5C-82EB-5AFC5662E372}"/>
-              </a:ext>
-            </a:extLst>
-          </p:cNvPr>
-          <p:cNvSpPr txBox="1"/>
-          <p:nvPr/>
-        </p:nvSpPr>
-        <p:spPr bwMode="auto">
-          <a:xfrm>
-            <a:off x="374073" y="1145784"/>
-            <a:ext cx="6483927" cy="2585323"/>
-          </a:xfrm>
-          <a:prstGeom prst="rect">
-            <a:avLst/>
-          </a:prstGeom>
-          <a:noFill/>
-          <a:ln w="19050" algn="ctr">
-            <a:noFill/>
-            <a:miter lim="800000"/>
-          </a:ln>
-        </p:spPr>
-        <p:txBody>
-          <a:bodyPr wrap="square">
-            <a:spAutoFit/>
-          </a:bodyPr>
-          <a:lstStyle/>
-          <a:p>
-            <a:r>
-              <a:rPr lang="en-IN" dirty="0"/>
-              <a:t>&lt;?</a:t>
-            </a:r>
-            <a:r>
-              <a:rPr lang="en-IN" dirty="0" err="1"/>
-              <a:t>php</a:t>
-            </a:r>
-            <a:endParaRPr lang="en-IN" dirty="0"/>
-          </a:p>
-          <a:p>
-            <a:r>
-              <a:rPr lang="en-IN" dirty="0" err="1"/>
-              <a:t>session_start</a:t>
-            </a:r>
-            <a:r>
-              <a:rPr lang="en-IN" dirty="0"/>
-              <a:t>();</a:t>
-            </a:r>
-          </a:p>
-          <a:p>
-            <a:endParaRPr lang="en-IN" dirty="0"/>
-          </a:p>
-          <a:p>
-            <a:r>
-              <a:rPr lang="en-IN" dirty="0"/>
-              <a:t>// Set session variables</a:t>
-            </a:r>
-          </a:p>
-          <a:p>
-            <a:r>
-              <a:rPr lang="en-IN" dirty="0"/>
-              <a:t>$_SESSION['username'] = ‘</a:t>
-            </a:r>
-            <a:r>
-              <a:rPr lang="en-IN" dirty="0" err="1"/>
-              <a:t>HelloSession</a:t>
-            </a:r>
-            <a:r>
-              <a:rPr lang="en-IN" dirty="0"/>
-              <a:t>';</a:t>
-            </a:r>
-          </a:p>
-          <a:p>
-            <a:r>
-              <a:rPr lang="en-IN" dirty="0"/>
-              <a:t>$_SESSION['role'] = 'admin';</a:t>
-            </a:r>
-          </a:p>
-          <a:p>
-            <a:r>
-              <a:rPr lang="en-IN" dirty="0"/>
-              <a:t>?&gt;</a:t>
-            </a:r>
-          </a:p>
-          <a:p>
-            <a:endParaRPr lang="en-IN" dirty="0"/>
-          </a:p>
-          <a:p>
-            <a:r>
-              <a:rPr lang="en-IN" dirty="0"/>
-              <a:t>&lt;p&gt;Welcome, &lt;?</a:t>
-            </a:r>
-            <a:r>
-              <a:rPr lang="en-IN" dirty="0" err="1"/>
-              <a:t>php</a:t>
-            </a:r>
-            <a:r>
-              <a:rPr lang="en-IN" dirty="0"/>
-              <a:t> echo $_SESSION['username']; ?&gt;!&lt;/p&gt;</a:t>
-            </a:r>
-          </a:p>
-        </p:txBody>
-      </p:sp>
-      <p:sp>
-        <p:nvSpPr>
-          <p:cNvPr id="9" name="Rectangle 1">
-            <a:extLst>
-              <a:ext uri="{FF2B5EF4-FFF2-40B4-BE49-F238E27FC236}">
-                <a16:creationId xmlns:a16="http://schemas.microsoft.com/office/drawing/2014/main" id="{B98BE729-3DD7-07FF-F131-93417FBCFDEE}"/>
-              </a:ext>
-            </a:extLst>
-          </p:cNvPr>
-          <p:cNvSpPr>
-            <a:spLocks noChangeArrowheads="1"/>
-          </p:cNvSpPr>
-          <p:nvPr/>
-        </p:nvSpPr>
-        <p:spPr bwMode="auto">
-          <a:xfrm>
-            <a:off x="285007" y="782123"/>
-            <a:ext cx="7612083" cy="338554"/>
-          </a:xfrm>
-          <a:prstGeom prst="rect">
-            <a:avLst/>
-          </a:prstGeom>
-          <a:noFill/>
-          <a:ln>
-            <a:noFill/>
-          </a:ln>
-          <a:effectLst/>
-          <a:extLst>
-            <a:ext uri="{909E8E84-426E-40DD-AFC4-6F175D3DCCD1}">
-              <a14:hiddenFill xmlns:a14="http://schemas.microsoft.com/office/drawing/2010/main">
+            <a:pPr algn="l"/>
+            <a:r>
+              <a:rPr lang="en-US" b="1" i="0" dirty="0">
                 <a:solidFill>
-                  <a:schemeClr val="accent1"/>
-                </a:solidFill>
-              </a14:hiddenFill>
-            </a:ext>
-            <a:ext uri="{91240B29-F687-4F45-9708-019B960494DF}">
-              <a14:hiddenLine xmlns:a14="http://schemas.microsoft.com/office/drawing/2010/main" w="9525">
-                <a:solidFill>
-                  <a:schemeClr val="tx1"/>
-                </a:solidFill>
-                <a:miter lim="800000"/>
-                <a:headEnd/>
-                <a:tailEnd/>
-              </a14:hiddenLine>
-            </a:ext>
-            <a:ext uri="{AF507438-7753-43E0-B8FC-AC1667EBCBE1}">
-              <a14:hiddenEffects xmlns:a14="http://schemas.microsoft.com/office/drawing/2010/main">
-                <a:effectLst>
-                  <a:outerShdw dist="35921" dir="2700000" algn="ctr" rotWithShape="0">
-                    <a:schemeClr val="bg2"/>
-                  </a:outerShdw>
-                </a:effectLst>
-              </a14:hiddenEffects>
-            </a:ext>
-          </a:extLst>
-        </p:spPr>
-        <p:txBody>
-          <a:bodyPr vert="horz" wrap="square" lIns="91440" tIns="45720" rIns="91440" bIns="45720" numCol="1" anchor="ctr" anchorCtr="0" compatLnSpc="1">
-            <a:prstTxWarp prst="textNoShape">
-              <a:avLst/>
-            </a:prstTxWarp>
-            <a:spAutoFit/>
-          </a:bodyPr>
-          <a:lstStyle/>
-          <a:p>
-            <a:pPr marL="0" marR="0" lvl="0" indent="0" algn="l" defTabSz="914400" rtl="0" eaLnBrk="0" fontAlgn="base" latinLnBrk="0" hangingPunct="0">
-              <a:lnSpc>
-                <a:spcPct val="100000"/>
-              </a:lnSpc>
-              <a:spcBef>
-                <a:spcPct val="0"/>
-              </a:spcBef>
-              <a:spcAft>
-                <a:spcPct val="0"/>
-              </a:spcAft>
-              <a:buClrTx/>
-              <a:buSzTx/>
-              <a:buFontTx/>
-              <a:buNone/>
-              <a:tabLst/>
-            </a:pPr>
-            <a:r>
-              <a:rPr kumimoji="0" lang="en-US" altLang="en-US" sz="1600" b="0" i="0" u="none" strike="noStrike" cap="none" normalizeH="0" baseline="0" dirty="0">
-                <a:ln>
-                  <a:noFill/>
-                </a:ln>
-                <a:solidFill>
-                  <a:schemeClr val="tx1"/>
+                  <a:srgbClr val="000000"/>
                 </a:solidFill>
                 <a:effectLst/>
-                <a:latin typeface="Arial" panose="020B0604020202020204" pitchFamily="34" charset="0"/>
+                <a:latin typeface="Mulish"/>
               </a:rPr>
-              <a:t>Always call </a:t>
-            </a:r>
-            <a:r>
-              <a:rPr kumimoji="0" lang="en-US" altLang="en-US" sz="1600" b="0" i="0" u="none" strike="noStrike" cap="none" normalizeH="0" baseline="0" dirty="0" err="1">
-                <a:ln>
-                  <a:noFill/>
-                </a:ln>
+              <a:t>What is a Cookie in PHP?</a:t>
+            </a:r>
+            <a:endParaRPr lang="en-US" b="1" i="0" dirty="0">
+              <a:solidFill>
+                <a:srgbClr val="343434"/>
+              </a:solidFill>
+              <a:effectLst/>
+              <a:latin typeface="Mulish"/>
+            </a:endParaRPr>
+          </a:p>
+          <a:p>
+            <a:pPr algn="l"/>
+            <a:r>
+              <a:rPr lang="en-US" b="0" i="0" u="none" strike="noStrike" dirty="0">
                 <a:solidFill>
-                  <a:schemeClr val="tx1"/>
+                  <a:srgbClr val="000000"/>
                 </a:solidFill>
                 <a:effectLst/>
-                <a:latin typeface="Arial Unicode MS"/>
+                <a:latin typeface="Mulish"/>
+                <a:hlinkClick r:id="rId2"/>
               </a:rPr>
-              <a:t>session_start</a:t>
-            </a:r>
-            <a:r>
-              <a:rPr kumimoji="0" lang="en-US" altLang="en-US" sz="1600" b="0" i="0" u="none" strike="noStrike" cap="none" normalizeH="0" baseline="0" dirty="0">
-                <a:ln>
-                  <a:noFill/>
-                </a:ln>
+              <a:t>Cookies in PHP</a:t>
+            </a:r>
+            <a:r>
+              <a:rPr lang="en-US" b="0" i="0" dirty="0">
                 <a:solidFill>
-                  <a:schemeClr val="tx1"/>
+                  <a:srgbClr val="000000"/>
                 </a:solidFill>
                 <a:effectLst/>
-                <a:latin typeface="Arial Unicode MS"/>
+                <a:latin typeface="Mulish"/>
               </a:rPr>
-              <a:t>()</a:t>
-            </a:r>
-            <a:r>
-              <a:rPr kumimoji="0" lang="en-US" altLang="en-US" sz="1600" b="0" i="0" u="none" strike="noStrike" cap="none" normalizeH="0" baseline="0" dirty="0">
-                <a:ln>
-                  <a:noFill/>
-                </a:ln>
+              <a:t> are small pieces of data stored on the user's browser. They are used by websites to remember information about the user, such as preferences or login status, across different sessions. Cookies are set by the server using the HTTP response header and are sent back to the server by the browser with every request.</a:t>
+            </a:r>
+          </a:p>
+          <a:p>
+            <a:pPr algn="l"/>
+            <a:endParaRPr lang="en-US" b="0" i="0" dirty="0">
+              <a:solidFill>
+                <a:srgbClr val="7F7F7F"/>
+              </a:solidFill>
+              <a:effectLst/>
+              <a:latin typeface="Mulish"/>
+            </a:endParaRPr>
+          </a:p>
+          <a:p>
+            <a:pPr algn="l"/>
+            <a:r>
+              <a:rPr lang="en-US" b="1" i="0" dirty="0">
                 <a:solidFill>
-                  <a:schemeClr val="tx1"/>
+                  <a:srgbClr val="000000"/>
                 </a:solidFill>
                 <a:effectLst/>
+                <a:latin typeface="Mulish"/>
               </a:rPr>
-              <a:t> </a:t>
-            </a:r>
-            <a:r>
-              <a:rPr kumimoji="0" lang="en-US" altLang="en-US" sz="1600" b="1" i="0" u="none" strike="noStrike" cap="none" normalizeH="0" baseline="0" dirty="0">
-                <a:ln>
-                  <a:noFill/>
-                </a:ln>
+              <a:t>Why Cookies are Useful?</a:t>
+            </a:r>
+            <a:endParaRPr lang="en-US" b="1" i="0" dirty="0">
+              <a:solidFill>
+                <a:srgbClr val="616161"/>
+              </a:solidFill>
+              <a:effectLst/>
+              <a:latin typeface="Mulish"/>
+            </a:endParaRPr>
+          </a:p>
+          <a:p>
+            <a:pPr algn="l"/>
+            <a:r>
+              <a:rPr lang="en-US" b="0" i="0" dirty="0">
                 <a:solidFill>
-                  <a:schemeClr val="tx1"/>
+                  <a:srgbClr val="000000"/>
                 </a:solidFill>
                 <a:effectLst/>
-                <a:latin typeface="Arial" panose="020B0604020202020204" pitchFamily="34" charset="0"/>
+                <a:latin typeface="Mulish"/>
               </a:rPr>
-              <a:t>at the top</a:t>
-            </a:r>
-            <a:r>
-              <a:rPr kumimoji="0" lang="en-US" altLang="en-US" sz="1600" b="0" i="0" u="none" strike="noStrike" cap="none" normalizeH="0" baseline="0" dirty="0">
-                <a:ln>
-                  <a:noFill/>
-                </a:ln>
+              <a:t>Cookies enhance the user experience on websites by:</a:t>
+            </a:r>
+            <a:endParaRPr lang="en-US" b="0" i="0" dirty="0">
+              <a:solidFill>
+                <a:srgbClr val="7F7F7F"/>
+              </a:solidFill>
+              <a:effectLst/>
+              <a:latin typeface="Mulish"/>
+            </a:endParaRPr>
+          </a:p>
+          <a:p>
+            <a:pPr algn="l">
+              <a:buFont typeface="+mj-lt"/>
+              <a:buAutoNum type="arabicPeriod"/>
+            </a:pPr>
+            <a:r>
+              <a:rPr lang="en-US" b="1" i="0" dirty="0">
                 <a:solidFill>
-                  <a:schemeClr val="tx1"/>
+                  <a:srgbClr val="141414"/>
                 </a:solidFill>
                 <a:effectLst/>
-                <a:latin typeface="Arial" panose="020B0604020202020204" pitchFamily="34" charset="0"/>
+                <a:latin typeface="Mulish"/>
               </a:rPr>
-              <a:t> of the page before any HTML: </a:t>
-            </a:r>
+              <a:t>Remembering Preferences:</a:t>
+            </a:r>
+            <a:r>
+              <a:rPr lang="en-US" b="0" i="0" dirty="0">
+                <a:solidFill>
+                  <a:srgbClr val="000000"/>
+                </a:solidFill>
+                <a:effectLst/>
+                <a:latin typeface="Mulish"/>
+              </a:rPr>
+              <a:t> Storing user settings like language or layout preferences.</a:t>
+            </a:r>
+            <a:endParaRPr lang="en-US" b="0" i="0" dirty="0">
+              <a:solidFill>
+                <a:srgbClr val="7F7F7F"/>
+              </a:solidFill>
+              <a:effectLst/>
+              <a:latin typeface="Mulish"/>
+            </a:endParaRPr>
+          </a:p>
+          <a:p>
+            <a:pPr algn="l">
+              <a:buFont typeface="+mj-lt"/>
+              <a:buAutoNum type="arabicPeriod"/>
+            </a:pPr>
+            <a:r>
+              <a:rPr lang="en-US" b="1" i="0" dirty="0">
+                <a:solidFill>
+                  <a:srgbClr val="141414"/>
+                </a:solidFill>
+                <a:effectLst/>
+                <a:latin typeface="Mulish"/>
+              </a:rPr>
+              <a:t>Session Management:</a:t>
+            </a:r>
+            <a:r>
+              <a:rPr lang="en-US" b="0" i="0" dirty="0">
+                <a:solidFill>
+                  <a:srgbClr val="000000"/>
+                </a:solidFill>
+                <a:effectLst/>
+                <a:latin typeface="Mulish"/>
+              </a:rPr>
+              <a:t> Keeping users logged in or tracking their activity across sessions.</a:t>
+            </a:r>
+            <a:endParaRPr lang="en-US" b="0" i="0" dirty="0">
+              <a:solidFill>
+                <a:srgbClr val="7F7F7F"/>
+              </a:solidFill>
+              <a:effectLst/>
+              <a:latin typeface="Mulish"/>
+            </a:endParaRPr>
+          </a:p>
+          <a:p>
+            <a:pPr algn="l">
+              <a:buFont typeface="+mj-lt"/>
+              <a:buAutoNum type="arabicPeriod"/>
+            </a:pPr>
+            <a:r>
+              <a:rPr lang="en-US" b="1" i="0" dirty="0">
+                <a:solidFill>
+                  <a:srgbClr val="141414"/>
+                </a:solidFill>
+                <a:effectLst/>
+                <a:latin typeface="Mulish"/>
+              </a:rPr>
+              <a:t>Tracking and Analytics:</a:t>
+            </a:r>
+            <a:r>
+              <a:rPr lang="en-US" b="0" i="0" dirty="0">
+                <a:solidFill>
+                  <a:srgbClr val="000000"/>
+                </a:solidFill>
+                <a:effectLst/>
+                <a:latin typeface="Mulish"/>
+              </a:rPr>
+              <a:t> Helping in gathering data on user behavior for analytics purposes.</a:t>
+            </a:r>
+            <a:endParaRPr lang="en-US" b="0" i="0" dirty="0">
+              <a:solidFill>
+                <a:srgbClr val="7F7F7F"/>
+              </a:solidFill>
+              <a:effectLst/>
+              <a:latin typeface="Mulish"/>
+            </a:endParaRPr>
           </a:p>
         </p:txBody>
       </p:sp>
     </p:spTree>
     <p:extLst>
       <p:ext uri="{BB962C8B-B14F-4D97-AF65-F5344CB8AC3E}">
-        <p14:creationId xmlns:p14="http://schemas.microsoft.com/office/powerpoint/2010/main" val="4015152648"/>
+        <p14:creationId xmlns:p14="http://schemas.microsoft.com/office/powerpoint/2010/main" val="3963694841"/>
       </p:ext>
     </p:extLst>
   </p:cSld>
@@ -5098,10 +5102,10 @@
       </p:sp>
       <p:sp>
         <p:nvSpPr>
-          <p:cNvPr id="3" name="TextBox 2">
+          <p:cNvPr id="6" name="TextBox 5">
             <a:extLst>
               <a:ext uri="{FF2B5EF4-FFF2-40B4-BE49-F238E27FC236}">
-                <a16:creationId xmlns:a16="http://schemas.microsoft.com/office/drawing/2014/main" id="{C97DC3CC-ED4A-2071-AB60-3392FC06A226}"/>
+                <a16:creationId xmlns:a16="http://schemas.microsoft.com/office/drawing/2014/main" id="{DE6E61BD-4CBC-8E6D-DBEE-5FF9AD177FA4}"/>
               </a:ext>
             </a:extLst>
           </p:cNvPr>
@@ -5110,8 +5114,8 @@
         </p:nvSpPr>
         <p:spPr bwMode="auto">
           <a:xfrm>
-            <a:off x="338447" y="809271"/>
-            <a:ext cx="4572000" cy="2585323"/>
+            <a:off x="599704" y="390836"/>
+            <a:ext cx="4572000" cy="369332"/>
           </a:xfrm>
           <a:prstGeom prst="rect">
             <a:avLst/>
@@ -5130,77 +5134,512 @@
           <a:p>
             <a:r>
               <a:rPr lang="en-IN" dirty="0"/>
-              <a:t>&lt;?</a:t>
-            </a:r>
-            <a:r>
-              <a:rPr lang="en-IN" dirty="0" err="1"/>
-              <a:t>php</a:t>
-            </a:r>
-            <a:endParaRPr lang="en-IN" dirty="0"/>
-          </a:p>
-          <a:p>
-            <a:r>
-              <a:rPr lang="en-IN" dirty="0" err="1"/>
-              <a:t>session_start</a:t>
-            </a:r>
-            <a:r>
-              <a:rPr lang="en-IN" dirty="0"/>
-              <a:t>();</a:t>
-            </a:r>
-          </a:p>
-          <a:p>
-            <a:endParaRPr lang="en-IN" dirty="0"/>
-          </a:p>
-          <a:p>
-            <a:r>
-              <a:rPr lang="en-IN" dirty="0"/>
-              <a:t>if (</a:t>
-            </a:r>
-            <a:r>
-              <a:rPr lang="en-IN" dirty="0" err="1"/>
-              <a:t>isset</a:t>
-            </a:r>
-            <a:r>
-              <a:rPr lang="en-IN" dirty="0"/>
-              <a:t>($_SESSION['username'])) {</a:t>
-            </a:r>
-          </a:p>
-          <a:p>
-            <a:r>
-              <a:rPr lang="en-IN" dirty="0"/>
-              <a:t>    echo "Hello, " . $_SESSION['username'];</a:t>
-            </a:r>
-          </a:p>
-          <a:p>
-            <a:r>
-              <a:rPr lang="en-IN" dirty="0"/>
-              <a:t>} else {</a:t>
-            </a:r>
-          </a:p>
-          <a:p>
-            <a:r>
-              <a:rPr lang="en-IN" dirty="0"/>
-              <a:t>    echo "No session found.";</a:t>
-            </a:r>
-          </a:p>
-          <a:p>
-            <a:r>
-              <a:rPr lang="en-IN" dirty="0"/>
-              <a:t>}</a:t>
-            </a:r>
-          </a:p>
-          <a:p>
-            <a:r>
-              <a:rPr lang="en-IN" dirty="0"/>
-              <a:t>?&gt;</a:t>
+              <a:t>What’s the Difference?</a:t>
             </a:r>
           </a:p>
         </p:txBody>
       </p:sp>
+      <p:graphicFrame>
+        <p:nvGraphicFramePr>
+          <p:cNvPr id="8" name="Table 7">
+            <a:extLst>
+              <a:ext uri="{FF2B5EF4-FFF2-40B4-BE49-F238E27FC236}">
+                <a16:creationId xmlns:a16="http://schemas.microsoft.com/office/drawing/2014/main" id="{D5DF42C7-E194-3EB2-C09D-02F6CB925FF2}"/>
+              </a:ext>
+            </a:extLst>
+          </p:cNvPr>
+          <p:cNvGraphicFramePr>
+            <a:graphicFrameLocks noGrp="1"/>
+          </p:cNvGraphicFramePr>
+          <p:nvPr>
+            <p:extLst>
+              <p:ext uri="{D42A27DB-BD31-4B8C-83A1-F6EECF244321}">
+                <p14:modId xmlns:p14="http://schemas.microsoft.com/office/powerpoint/2010/main" val="3499249600"/>
+              </p:ext>
+            </p:extLst>
+          </p:nvPr>
+        </p:nvGraphicFramePr>
+        <p:xfrm>
+          <a:off x="599704" y="1041784"/>
+          <a:ext cx="7072311" cy="2377440"/>
+        </p:xfrm>
+        <a:graphic>
+          <a:graphicData uri="http://schemas.openxmlformats.org/drawingml/2006/table">
+            <a:tbl>
+              <a:tblPr/>
+              <a:tblGrid>
+                <a:gridCol w="2357437">
+                  <a:extLst>
+                    <a:ext uri="{9D8B030D-6E8A-4147-A177-3AD203B41FA5}">
+                      <a16:colId xmlns:a16="http://schemas.microsoft.com/office/drawing/2014/main" val="3618358002"/>
+                    </a:ext>
+                  </a:extLst>
+                </a:gridCol>
+                <a:gridCol w="2357437">
+                  <a:extLst>
+                    <a:ext uri="{9D8B030D-6E8A-4147-A177-3AD203B41FA5}">
+                      <a16:colId xmlns:a16="http://schemas.microsoft.com/office/drawing/2014/main" val="3538434078"/>
+                    </a:ext>
+                  </a:extLst>
+                </a:gridCol>
+                <a:gridCol w="2357437">
+                  <a:extLst>
+                    <a:ext uri="{9D8B030D-6E8A-4147-A177-3AD203B41FA5}">
+                      <a16:colId xmlns:a16="http://schemas.microsoft.com/office/drawing/2014/main" val="3966451039"/>
+                    </a:ext>
+                  </a:extLst>
+                </a:gridCol>
+              </a:tblGrid>
+              <a:tr h="0">
+                <a:tc>
+                  <a:txBody>
+                    <a:bodyPr/>
+                    <a:lstStyle/>
+                    <a:p>
+                      <a:r>
+                        <a:rPr lang="en-IN"/>
+                        <a:t>Feature</a:t>
+                      </a:r>
+                    </a:p>
+                  </a:txBody>
+                  <a:tcPr anchor="ctr">
+                    <a:lnL>
+                      <a:noFill/>
+                    </a:lnL>
+                    <a:lnR>
+                      <a:noFill/>
+                    </a:lnR>
+                    <a:lnT>
+                      <a:noFill/>
+                    </a:lnT>
+                    <a:lnB>
+                      <a:noFill/>
+                    </a:lnB>
+                    <a:noFill/>
+                  </a:tcPr>
+                </a:tc>
+                <a:tc>
+                  <a:txBody>
+                    <a:bodyPr/>
+                    <a:lstStyle/>
+                    <a:p>
+                      <a:r>
+                        <a:rPr lang="en-IN" b="1"/>
+                        <a:t>Cookies</a:t>
+                      </a:r>
+                      <a:endParaRPr lang="en-IN"/>
+                    </a:p>
+                  </a:txBody>
+                  <a:tcPr anchor="ctr">
+                    <a:lnL>
+                      <a:noFill/>
+                    </a:lnL>
+                    <a:lnR>
+                      <a:noFill/>
+                    </a:lnR>
+                    <a:lnT>
+                      <a:noFill/>
+                    </a:lnT>
+                    <a:lnB>
+                      <a:noFill/>
+                    </a:lnB>
+                    <a:noFill/>
+                  </a:tcPr>
+                </a:tc>
+                <a:tc>
+                  <a:txBody>
+                    <a:bodyPr/>
+                    <a:lstStyle/>
+                    <a:p>
+                      <a:r>
+                        <a:rPr lang="en-IN" b="1"/>
+                        <a:t>Sessions</a:t>
+                      </a:r>
+                      <a:endParaRPr lang="en-IN"/>
+                    </a:p>
+                  </a:txBody>
+                  <a:tcPr anchor="ctr">
+                    <a:lnL>
+                      <a:noFill/>
+                    </a:lnL>
+                    <a:lnR>
+                      <a:noFill/>
+                    </a:lnR>
+                    <a:lnT>
+                      <a:noFill/>
+                    </a:lnT>
+                    <a:lnB>
+                      <a:noFill/>
+                    </a:lnB>
+                    <a:noFill/>
+                  </a:tcPr>
+                </a:tc>
+                <a:extLst>
+                  <a:ext uri="{0D108BD9-81ED-4DB2-BD59-A6C34878D82A}">
+                    <a16:rowId xmlns:a16="http://schemas.microsoft.com/office/drawing/2014/main" val="2002785306"/>
+                  </a:ext>
+                </a:extLst>
+              </a:tr>
+              <a:tr h="0">
+                <a:tc>
+                  <a:txBody>
+                    <a:bodyPr/>
+                    <a:lstStyle/>
+                    <a:p>
+                      <a:r>
+                        <a:rPr lang="en-IN"/>
+                        <a:t>Storage</a:t>
+                      </a:r>
+                    </a:p>
+                  </a:txBody>
+                  <a:tcPr anchor="ctr">
+                    <a:lnL>
+                      <a:noFill/>
+                    </a:lnL>
+                    <a:lnR>
+                      <a:noFill/>
+                    </a:lnR>
+                    <a:lnT>
+                      <a:noFill/>
+                    </a:lnT>
+                    <a:lnB>
+                      <a:noFill/>
+                    </a:lnB>
+                    <a:noFill/>
+                  </a:tcPr>
+                </a:tc>
+                <a:tc>
+                  <a:txBody>
+                    <a:bodyPr/>
+                    <a:lstStyle/>
+                    <a:p>
+                      <a:r>
+                        <a:rPr lang="en-IN"/>
+                        <a:t>Client-side (browser)</a:t>
+                      </a:r>
+                    </a:p>
+                  </a:txBody>
+                  <a:tcPr anchor="ctr">
+                    <a:lnL>
+                      <a:noFill/>
+                    </a:lnL>
+                    <a:lnR>
+                      <a:noFill/>
+                    </a:lnR>
+                    <a:lnT>
+                      <a:noFill/>
+                    </a:lnT>
+                    <a:lnB>
+                      <a:noFill/>
+                    </a:lnB>
+                    <a:noFill/>
+                  </a:tcPr>
+                </a:tc>
+                <a:tc>
+                  <a:txBody>
+                    <a:bodyPr/>
+                    <a:lstStyle/>
+                    <a:p>
+                      <a:r>
+                        <a:rPr lang="en-IN"/>
+                        <a:t>Server-side</a:t>
+                      </a:r>
+                    </a:p>
+                  </a:txBody>
+                  <a:tcPr anchor="ctr">
+                    <a:lnL>
+                      <a:noFill/>
+                    </a:lnL>
+                    <a:lnR>
+                      <a:noFill/>
+                    </a:lnR>
+                    <a:lnT>
+                      <a:noFill/>
+                    </a:lnT>
+                    <a:lnB>
+                      <a:noFill/>
+                    </a:lnB>
+                    <a:noFill/>
+                  </a:tcPr>
+                </a:tc>
+                <a:extLst>
+                  <a:ext uri="{0D108BD9-81ED-4DB2-BD59-A6C34878D82A}">
+                    <a16:rowId xmlns:a16="http://schemas.microsoft.com/office/drawing/2014/main" val="2229257545"/>
+                  </a:ext>
+                </a:extLst>
+              </a:tr>
+              <a:tr h="0">
+                <a:tc>
+                  <a:txBody>
+                    <a:bodyPr/>
+                    <a:lstStyle/>
+                    <a:p>
+                      <a:r>
+                        <a:rPr lang="en-IN"/>
+                        <a:t>Security</a:t>
+                      </a:r>
+                    </a:p>
+                  </a:txBody>
+                  <a:tcPr anchor="ctr">
+                    <a:lnL>
+                      <a:noFill/>
+                    </a:lnL>
+                    <a:lnR>
+                      <a:noFill/>
+                    </a:lnR>
+                    <a:lnT>
+                      <a:noFill/>
+                    </a:lnT>
+                    <a:lnB>
+                      <a:noFill/>
+                    </a:lnB>
+                    <a:noFill/>
+                  </a:tcPr>
+                </a:tc>
+                <a:tc>
+                  <a:txBody>
+                    <a:bodyPr/>
+                    <a:lstStyle/>
+                    <a:p>
+                      <a:r>
+                        <a:rPr lang="en-US"/>
+                        <a:t>Less secure (user can see/change)</a:t>
+                      </a:r>
+                    </a:p>
+                  </a:txBody>
+                  <a:tcPr anchor="ctr">
+                    <a:lnL>
+                      <a:noFill/>
+                    </a:lnL>
+                    <a:lnR>
+                      <a:noFill/>
+                    </a:lnR>
+                    <a:lnT>
+                      <a:noFill/>
+                    </a:lnT>
+                    <a:lnB>
+                      <a:noFill/>
+                    </a:lnB>
+                    <a:noFill/>
+                  </a:tcPr>
+                </a:tc>
+                <a:tc>
+                  <a:txBody>
+                    <a:bodyPr/>
+                    <a:lstStyle/>
+                    <a:p>
+                      <a:r>
+                        <a:rPr lang="en-IN"/>
+                        <a:t>More secure</a:t>
+                      </a:r>
+                    </a:p>
+                  </a:txBody>
+                  <a:tcPr anchor="ctr">
+                    <a:lnL>
+                      <a:noFill/>
+                    </a:lnL>
+                    <a:lnR>
+                      <a:noFill/>
+                    </a:lnR>
+                    <a:lnT>
+                      <a:noFill/>
+                    </a:lnT>
+                    <a:lnB>
+                      <a:noFill/>
+                    </a:lnB>
+                    <a:noFill/>
+                  </a:tcPr>
+                </a:tc>
+                <a:extLst>
+                  <a:ext uri="{0D108BD9-81ED-4DB2-BD59-A6C34878D82A}">
+                    <a16:rowId xmlns:a16="http://schemas.microsoft.com/office/drawing/2014/main" val="3767140621"/>
+                  </a:ext>
+                </a:extLst>
+              </a:tr>
+              <a:tr h="0">
+                <a:tc>
+                  <a:txBody>
+                    <a:bodyPr/>
+                    <a:lstStyle/>
+                    <a:p>
+                      <a:r>
+                        <a:rPr lang="en-IN"/>
+                        <a:t>Expiry</a:t>
+                      </a:r>
+                    </a:p>
+                  </a:txBody>
+                  <a:tcPr anchor="ctr">
+                    <a:lnL>
+                      <a:noFill/>
+                    </a:lnL>
+                    <a:lnR>
+                      <a:noFill/>
+                    </a:lnR>
+                    <a:lnT>
+                      <a:noFill/>
+                    </a:lnT>
+                    <a:lnB>
+                      <a:noFill/>
+                    </a:lnB>
+                    <a:noFill/>
+                  </a:tcPr>
+                </a:tc>
+                <a:tc>
+                  <a:txBody>
+                    <a:bodyPr/>
+                    <a:lstStyle/>
+                    <a:p>
+                      <a:r>
+                        <a:rPr lang="en-US"/>
+                        <a:t>Can be set (e.g., 7 days)</a:t>
+                      </a:r>
+                    </a:p>
+                  </a:txBody>
+                  <a:tcPr anchor="ctr">
+                    <a:lnL>
+                      <a:noFill/>
+                    </a:lnL>
+                    <a:lnR>
+                      <a:noFill/>
+                    </a:lnR>
+                    <a:lnT>
+                      <a:noFill/>
+                    </a:lnT>
+                    <a:lnB>
+                      <a:noFill/>
+                    </a:lnB>
+                    <a:noFill/>
+                  </a:tcPr>
+                </a:tc>
+                <a:tc>
+                  <a:txBody>
+                    <a:bodyPr/>
+                    <a:lstStyle/>
+                    <a:p>
+                      <a:r>
+                        <a:rPr lang="en-US"/>
+                        <a:t>Until browser is closed or destroyed</a:t>
+                      </a:r>
+                    </a:p>
+                  </a:txBody>
+                  <a:tcPr anchor="ctr">
+                    <a:lnL>
+                      <a:noFill/>
+                    </a:lnL>
+                    <a:lnR>
+                      <a:noFill/>
+                    </a:lnR>
+                    <a:lnT>
+                      <a:noFill/>
+                    </a:lnT>
+                    <a:lnB>
+                      <a:noFill/>
+                    </a:lnB>
+                    <a:noFill/>
+                  </a:tcPr>
+                </a:tc>
+                <a:extLst>
+                  <a:ext uri="{0D108BD9-81ED-4DB2-BD59-A6C34878D82A}">
+                    <a16:rowId xmlns:a16="http://schemas.microsoft.com/office/drawing/2014/main" val="163602276"/>
+                  </a:ext>
+                </a:extLst>
+              </a:tr>
+              <a:tr h="0">
+                <a:tc>
+                  <a:txBody>
+                    <a:bodyPr/>
+                    <a:lstStyle/>
+                    <a:p>
+                      <a:r>
+                        <a:rPr lang="en-IN"/>
+                        <a:t>Size</a:t>
+                      </a:r>
+                    </a:p>
+                  </a:txBody>
+                  <a:tcPr anchor="ctr">
+                    <a:lnL>
+                      <a:noFill/>
+                    </a:lnL>
+                    <a:lnR>
+                      <a:noFill/>
+                    </a:lnR>
+                    <a:lnT>
+                      <a:noFill/>
+                    </a:lnT>
+                    <a:lnB>
+                      <a:noFill/>
+                    </a:lnB>
+                    <a:noFill/>
+                  </a:tcPr>
+                </a:tc>
+                <a:tc>
+                  <a:txBody>
+                    <a:bodyPr/>
+                    <a:lstStyle/>
+                    <a:p>
+                      <a:r>
+                        <a:rPr lang="en-IN"/>
+                        <a:t>~4KB max</a:t>
+                      </a:r>
+                    </a:p>
+                  </a:txBody>
+                  <a:tcPr anchor="ctr">
+                    <a:lnL>
+                      <a:noFill/>
+                    </a:lnL>
+                    <a:lnR>
+                      <a:noFill/>
+                    </a:lnR>
+                    <a:lnT>
+                      <a:noFill/>
+                    </a:lnT>
+                    <a:lnB>
+                      <a:noFill/>
+                    </a:lnB>
+                    <a:noFill/>
+                  </a:tcPr>
+                </a:tc>
+                <a:tc>
+                  <a:txBody>
+                    <a:bodyPr/>
+                    <a:lstStyle/>
+                    <a:p>
+                      <a:r>
+                        <a:rPr lang="en-IN" dirty="0"/>
+                        <a:t>Can store larger data</a:t>
+                      </a:r>
+                    </a:p>
+                  </a:txBody>
+                  <a:tcPr anchor="ctr">
+                    <a:lnL>
+                      <a:noFill/>
+                    </a:lnL>
+                    <a:lnR>
+                      <a:noFill/>
+                    </a:lnR>
+                    <a:lnT>
+                      <a:noFill/>
+                    </a:lnT>
+                    <a:lnB>
+                      <a:noFill/>
+                    </a:lnB>
+                    <a:noFill/>
+                  </a:tcPr>
+                </a:tc>
+                <a:extLst>
+                  <a:ext uri="{0D108BD9-81ED-4DB2-BD59-A6C34878D82A}">
+                    <a16:rowId xmlns:a16="http://schemas.microsoft.com/office/drawing/2014/main" val="1872813301"/>
+                  </a:ext>
+                </a:extLst>
+              </a:tr>
+            </a:tbl>
+          </a:graphicData>
+        </a:graphic>
+      </p:graphicFrame>
     </p:spTree>
     <p:extLst>
       <p:ext uri="{BB962C8B-B14F-4D97-AF65-F5344CB8AC3E}">
-        <p14:creationId xmlns:p14="http://schemas.microsoft.com/office/powerpoint/2010/main" val="3920918885"/>
+        <p14:creationId xmlns:p14="http://schemas.microsoft.com/office/powerpoint/2010/main" val="3361634858"/>
       </p:ext>
     </p:extLst>
   </p:cSld>
@@ -5279,6 +5718,544 @@
               <a:t>Handling sessions and cookies</a:t>
             </a:r>
             <a:endParaRPr lang="en-US" altLang="en-GB" sz="1800" dirty="0"/>
+          </a:p>
+        </p:txBody>
+      </p:sp>
+      <p:graphicFrame>
+        <p:nvGraphicFramePr>
+          <p:cNvPr id="2" name="Table 1">
+            <a:extLst>
+              <a:ext uri="{FF2B5EF4-FFF2-40B4-BE49-F238E27FC236}">
+                <a16:creationId xmlns:a16="http://schemas.microsoft.com/office/drawing/2014/main" id="{992B7D7C-9596-1A9C-3A81-A5BCD3BFAAAF}"/>
+              </a:ext>
+            </a:extLst>
+          </p:cNvPr>
+          <p:cNvGraphicFramePr>
+            <a:graphicFrameLocks noGrp="1"/>
+          </p:cNvGraphicFramePr>
+          <p:nvPr>
+            <p:extLst>
+              <p:ext uri="{D42A27DB-BD31-4B8C-83A1-F6EECF244321}">
+                <p14:modId xmlns:p14="http://schemas.microsoft.com/office/powerpoint/2010/main" val="4202676499"/>
+              </p:ext>
+            </p:extLst>
+          </p:nvPr>
+        </p:nvGraphicFramePr>
+        <p:xfrm>
+          <a:off x="359744" y="1084287"/>
+          <a:ext cx="7072311" cy="2103120"/>
+        </p:xfrm>
+        <a:graphic>
+          <a:graphicData uri="http://schemas.openxmlformats.org/drawingml/2006/table">
+            <a:tbl>
+              <a:tblPr/>
+              <a:tblGrid>
+                <a:gridCol w="2357437">
+                  <a:extLst>
+                    <a:ext uri="{9D8B030D-6E8A-4147-A177-3AD203B41FA5}">
+                      <a16:colId xmlns:a16="http://schemas.microsoft.com/office/drawing/2014/main" val="939068053"/>
+                    </a:ext>
+                  </a:extLst>
+                </a:gridCol>
+                <a:gridCol w="2357437">
+                  <a:extLst>
+                    <a:ext uri="{9D8B030D-6E8A-4147-A177-3AD203B41FA5}">
+                      <a16:colId xmlns:a16="http://schemas.microsoft.com/office/drawing/2014/main" val="3603123455"/>
+                    </a:ext>
+                  </a:extLst>
+                </a:gridCol>
+                <a:gridCol w="2357437">
+                  <a:extLst>
+                    <a:ext uri="{9D8B030D-6E8A-4147-A177-3AD203B41FA5}">
+                      <a16:colId xmlns:a16="http://schemas.microsoft.com/office/drawing/2014/main" val="2481996621"/>
+                    </a:ext>
+                  </a:extLst>
+                </a:gridCol>
+              </a:tblGrid>
+              <a:tr h="0">
+                <a:tc>
+                  <a:txBody>
+                    <a:bodyPr/>
+                    <a:lstStyle/>
+                    <a:p>
+                      <a:r>
+                        <a:rPr lang="en-IN"/>
+                        <a:t>Task</a:t>
+                      </a:r>
+                    </a:p>
+                  </a:txBody>
+                  <a:tcPr anchor="ctr">
+                    <a:lnL>
+                      <a:noFill/>
+                    </a:lnL>
+                    <a:lnR>
+                      <a:noFill/>
+                    </a:lnR>
+                    <a:lnT>
+                      <a:noFill/>
+                    </a:lnT>
+                    <a:lnB>
+                      <a:noFill/>
+                    </a:lnB>
+                    <a:noFill/>
+                  </a:tcPr>
+                </a:tc>
+                <a:tc>
+                  <a:txBody>
+                    <a:bodyPr/>
+                    <a:lstStyle/>
+                    <a:p>
+                      <a:r>
+                        <a:rPr lang="en-IN"/>
+                        <a:t>Cookie</a:t>
+                      </a:r>
+                    </a:p>
+                  </a:txBody>
+                  <a:tcPr anchor="ctr">
+                    <a:lnL>
+                      <a:noFill/>
+                    </a:lnL>
+                    <a:lnR>
+                      <a:noFill/>
+                    </a:lnR>
+                    <a:lnT>
+                      <a:noFill/>
+                    </a:lnT>
+                    <a:lnB>
+                      <a:noFill/>
+                    </a:lnB>
+                    <a:noFill/>
+                  </a:tcPr>
+                </a:tc>
+                <a:tc>
+                  <a:txBody>
+                    <a:bodyPr/>
+                    <a:lstStyle/>
+                    <a:p>
+                      <a:r>
+                        <a:rPr lang="en-IN"/>
+                        <a:t>Session</a:t>
+                      </a:r>
+                    </a:p>
+                  </a:txBody>
+                  <a:tcPr anchor="ctr">
+                    <a:lnL>
+                      <a:noFill/>
+                    </a:lnL>
+                    <a:lnR>
+                      <a:noFill/>
+                    </a:lnR>
+                    <a:lnT>
+                      <a:noFill/>
+                    </a:lnT>
+                    <a:lnB>
+                      <a:noFill/>
+                    </a:lnB>
+                    <a:noFill/>
+                  </a:tcPr>
+                </a:tc>
+                <a:extLst>
+                  <a:ext uri="{0D108BD9-81ED-4DB2-BD59-A6C34878D82A}">
+                    <a16:rowId xmlns:a16="http://schemas.microsoft.com/office/drawing/2014/main" val="369211472"/>
+                  </a:ext>
+                </a:extLst>
+              </a:tr>
+              <a:tr h="0">
+                <a:tc>
+                  <a:txBody>
+                    <a:bodyPr/>
+                    <a:lstStyle/>
+                    <a:p>
+                      <a:r>
+                        <a:rPr lang="en-IN"/>
+                        <a:t>Set</a:t>
+                      </a:r>
+                    </a:p>
+                  </a:txBody>
+                  <a:tcPr anchor="ctr">
+                    <a:lnL>
+                      <a:noFill/>
+                    </a:lnL>
+                    <a:lnR>
+                      <a:noFill/>
+                    </a:lnR>
+                    <a:lnT>
+                      <a:noFill/>
+                    </a:lnT>
+                    <a:lnB>
+                      <a:noFill/>
+                    </a:lnB>
+                    <a:noFill/>
+                  </a:tcPr>
+                </a:tc>
+                <a:tc>
+                  <a:txBody>
+                    <a:bodyPr/>
+                    <a:lstStyle/>
+                    <a:p>
+                      <a:r>
+                        <a:rPr lang="en-IN"/>
+                        <a:t>setcookie()</a:t>
+                      </a:r>
+                    </a:p>
+                  </a:txBody>
+                  <a:tcPr anchor="ctr">
+                    <a:lnL>
+                      <a:noFill/>
+                    </a:lnL>
+                    <a:lnR>
+                      <a:noFill/>
+                    </a:lnR>
+                    <a:lnT>
+                      <a:noFill/>
+                    </a:lnT>
+                    <a:lnB>
+                      <a:noFill/>
+                    </a:lnB>
+                    <a:noFill/>
+                  </a:tcPr>
+                </a:tc>
+                <a:tc>
+                  <a:txBody>
+                    <a:bodyPr/>
+                    <a:lstStyle/>
+                    <a:p>
+                      <a:r>
+                        <a:rPr lang="en-IN"/>
+                        <a:t>$_SESSION['key'] = value</a:t>
+                      </a:r>
+                    </a:p>
+                  </a:txBody>
+                  <a:tcPr anchor="ctr">
+                    <a:lnL>
+                      <a:noFill/>
+                    </a:lnL>
+                    <a:lnR>
+                      <a:noFill/>
+                    </a:lnR>
+                    <a:lnT>
+                      <a:noFill/>
+                    </a:lnT>
+                    <a:lnB>
+                      <a:noFill/>
+                    </a:lnB>
+                    <a:noFill/>
+                  </a:tcPr>
+                </a:tc>
+                <a:extLst>
+                  <a:ext uri="{0D108BD9-81ED-4DB2-BD59-A6C34878D82A}">
+                    <a16:rowId xmlns:a16="http://schemas.microsoft.com/office/drawing/2014/main" val="1750080828"/>
+                  </a:ext>
+                </a:extLst>
+              </a:tr>
+              <a:tr h="0">
+                <a:tc>
+                  <a:txBody>
+                    <a:bodyPr/>
+                    <a:lstStyle/>
+                    <a:p>
+                      <a:r>
+                        <a:rPr lang="en-IN"/>
+                        <a:t>Read</a:t>
+                      </a:r>
+                    </a:p>
+                  </a:txBody>
+                  <a:tcPr anchor="ctr">
+                    <a:lnL>
+                      <a:noFill/>
+                    </a:lnL>
+                    <a:lnR>
+                      <a:noFill/>
+                    </a:lnR>
+                    <a:lnT>
+                      <a:noFill/>
+                    </a:lnT>
+                    <a:lnB>
+                      <a:noFill/>
+                    </a:lnB>
+                    <a:noFill/>
+                  </a:tcPr>
+                </a:tc>
+                <a:tc>
+                  <a:txBody>
+                    <a:bodyPr/>
+                    <a:lstStyle/>
+                    <a:p>
+                      <a:r>
+                        <a:rPr lang="en-IN"/>
+                        <a:t>$_COOKIE['key']</a:t>
+                      </a:r>
+                    </a:p>
+                  </a:txBody>
+                  <a:tcPr anchor="ctr">
+                    <a:lnL>
+                      <a:noFill/>
+                    </a:lnL>
+                    <a:lnR>
+                      <a:noFill/>
+                    </a:lnR>
+                    <a:lnT>
+                      <a:noFill/>
+                    </a:lnT>
+                    <a:lnB>
+                      <a:noFill/>
+                    </a:lnB>
+                    <a:noFill/>
+                  </a:tcPr>
+                </a:tc>
+                <a:tc>
+                  <a:txBody>
+                    <a:bodyPr/>
+                    <a:lstStyle/>
+                    <a:p>
+                      <a:r>
+                        <a:rPr lang="en-IN"/>
+                        <a:t>$_SESSION['key']</a:t>
+                      </a:r>
+                    </a:p>
+                  </a:txBody>
+                  <a:tcPr anchor="ctr">
+                    <a:lnL>
+                      <a:noFill/>
+                    </a:lnL>
+                    <a:lnR>
+                      <a:noFill/>
+                    </a:lnR>
+                    <a:lnT>
+                      <a:noFill/>
+                    </a:lnT>
+                    <a:lnB>
+                      <a:noFill/>
+                    </a:lnB>
+                    <a:noFill/>
+                  </a:tcPr>
+                </a:tc>
+                <a:extLst>
+                  <a:ext uri="{0D108BD9-81ED-4DB2-BD59-A6C34878D82A}">
+                    <a16:rowId xmlns:a16="http://schemas.microsoft.com/office/drawing/2014/main" val="1253127538"/>
+                  </a:ext>
+                </a:extLst>
+              </a:tr>
+              <a:tr h="0">
+                <a:tc>
+                  <a:txBody>
+                    <a:bodyPr/>
+                    <a:lstStyle/>
+                    <a:p>
+                      <a:r>
+                        <a:rPr lang="en-IN"/>
+                        <a:t>Delete</a:t>
+                      </a:r>
+                    </a:p>
+                  </a:txBody>
+                  <a:tcPr anchor="ctr">
+                    <a:lnL>
+                      <a:noFill/>
+                    </a:lnL>
+                    <a:lnR>
+                      <a:noFill/>
+                    </a:lnR>
+                    <a:lnT>
+                      <a:noFill/>
+                    </a:lnT>
+                    <a:lnB>
+                      <a:noFill/>
+                    </a:lnB>
+                    <a:noFill/>
+                  </a:tcPr>
+                </a:tc>
+                <a:tc>
+                  <a:txBody>
+                    <a:bodyPr/>
+                    <a:lstStyle/>
+                    <a:p>
+                      <a:r>
+                        <a:rPr lang="en-IN"/>
+                        <a:t>Set with past time</a:t>
+                      </a:r>
+                    </a:p>
+                  </a:txBody>
+                  <a:tcPr anchor="ctr">
+                    <a:lnL>
+                      <a:noFill/>
+                    </a:lnL>
+                    <a:lnR>
+                      <a:noFill/>
+                    </a:lnR>
+                    <a:lnT>
+                      <a:noFill/>
+                    </a:lnT>
+                    <a:lnB>
+                      <a:noFill/>
+                    </a:lnB>
+                    <a:noFill/>
+                  </a:tcPr>
+                </a:tc>
+                <a:tc>
+                  <a:txBody>
+                    <a:bodyPr/>
+                    <a:lstStyle/>
+                    <a:p>
+                      <a:r>
+                        <a:rPr lang="en-IN"/>
+                        <a:t>session_destroy()</a:t>
+                      </a:r>
+                    </a:p>
+                  </a:txBody>
+                  <a:tcPr anchor="ctr">
+                    <a:lnL>
+                      <a:noFill/>
+                    </a:lnL>
+                    <a:lnR>
+                      <a:noFill/>
+                    </a:lnR>
+                    <a:lnT>
+                      <a:noFill/>
+                    </a:lnT>
+                    <a:lnB>
+                      <a:noFill/>
+                    </a:lnB>
+                    <a:noFill/>
+                  </a:tcPr>
+                </a:tc>
+                <a:extLst>
+                  <a:ext uri="{0D108BD9-81ED-4DB2-BD59-A6C34878D82A}">
+                    <a16:rowId xmlns:a16="http://schemas.microsoft.com/office/drawing/2014/main" val="399181321"/>
+                  </a:ext>
+                </a:extLst>
+              </a:tr>
+              <a:tr h="0">
+                <a:tc>
+                  <a:txBody>
+                    <a:bodyPr/>
+                    <a:lstStyle/>
+                    <a:p>
+                      <a:r>
+                        <a:rPr lang="en-IN"/>
+                        <a:t>Start</a:t>
+                      </a:r>
+                    </a:p>
+                  </a:txBody>
+                  <a:tcPr anchor="ctr">
+                    <a:lnL>
+                      <a:noFill/>
+                    </a:lnL>
+                    <a:lnR>
+                      <a:noFill/>
+                    </a:lnR>
+                    <a:lnT>
+                      <a:noFill/>
+                    </a:lnT>
+                    <a:lnB>
+                      <a:noFill/>
+                    </a:lnB>
+                    <a:noFill/>
+                  </a:tcPr>
+                </a:tc>
+                <a:tc>
+                  <a:txBody>
+                    <a:bodyPr/>
+                    <a:lstStyle/>
+                    <a:p>
+                      <a:r>
+                        <a:rPr lang="en-IN"/>
+                        <a:t>N/A</a:t>
+                      </a:r>
+                    </a:p>
+                  </a:txBody>
+                  <a:tcPr anchor="ctr">
+                    <a:lnL>
+                      <a:noFill/>
+                    </a:lnL>
+                    <a:lnR>
+                      <a:noFill/>
+                    </a:lnR>
+                    <a:lnT>
+                      <a:noFill/>
+                    </a:lnT>
+                    <a:lnB>
+                      <a:noFill/>
+                    </a:lnB>
+                    <a:noFill/>
+                  </a:tcPr>
+                </a:tc>
+                <a:tc>
+                  <a:txBody>
+                    <a:bodyPr/>
+                    <a:lstStyle/>
+                    <a:p>
+                      <a:r>
+                        <a:rPr lang="en-IN" dirty="0" err="1"/>
+                        <a:t>session_start</a:t>
+                      </a:r>
+                      <a:r>
+                        <a:rPr lang="en-IN" dirty="0"/>
+                        <a:t>()</a:t>
+                      </a:r>
+                    </a:p>
+                  </a:txBody>
+                  <a:tcPr anchor="ctr">
+                    <a:lnL>
+                      <a:noFill/>
+                    </a:lnL>
+                    <a:lnR>
+                      <a:noFill/>
+                    </a:lnR>
+                    <a:lnT>
+                      <a:noFill/>
+                    </a:lnT>
+                    <a:lnB>
+                      <a:noFill/>
+                    </a:lnB>
+                    <a:noFill/>
+                  </a:tcPr>
+                </a:tc>
+                <a:extLst>
+                  <a:ext uri="{0D108BD9-81ED-4DB2-BD59-A6C34878D82A}">
+                    <a16:rowId xmlns:a16="http://schemas.microsoft.com/office/drawing/2014/main" val="3264136878"/>
+                  </a:ext>
+                </a:extLst>
+              </a:tr>
+            </a:tbl>
+          </a:graphicData>
+        </a:graphic>
+      </p:graphicFrame>
+      <p:sp>
+        <p:nvSpPr>
+          <p:cNvPr id="6" name="TextBox 5">
+            <a:extLst>
+              <a:ext uri="{FF2B5EF4-FFF2-40B4-BE49-F238E27FC236}">
+                <a16:creationId xmlns:a16="http://schemas.microsoft.com/office/drawing/2014/main" id="{B4607DD7-F1FF-17C9-B9D2-2E97EE377532}"/>
+              </a:ext>
+            </a:extLst>
+          </p:cNvPr>
+          <p:cNvSpPr txBox="1"/>
+          <p:nvPr/>
+        </p:nvSpPr>
+        <p:spPr bwMode="auto">
+          <a:xfrm>
+            <a:off x="359744" y="552895"/>
+            <a:ext cx="4572000" cy="369332"/>
+          </a:xfrm>
+          <a:prstGeom prst="rect">
+            <a:avLst/>
+          </a:prstGeom>
+          <a:noFill/>
+          <a:ln w="19050" algn="ctr">
+            <a:noFill/>
+            <a:miter lim="800000"/>
+          </a:ln>
+        </p:spPr>
+        <p:txBody>
+          <a:bodyPr wrap="square">
+            <a:spAutoFit/>
+          </a:bodyPr>
+          <a:lstStyle/>
+          <a:p>
+            <a:r>
+              <a:rPr lang="en-IN" dirty="0"/>
+              <a:t>Summary</a:t>
+            </a:r>
           </a:p>
         </p:txBody>
       </p:sp>
@@ -5367,10 +6344,114 @@
           </a:p>
         </p:txBody>
       </p:sp>
+      <p:sp>
+        <p:nvSpPr>
+          <p:cNvPr id="2" name="TextBox 1">
+            <a:extLst>
+              <a:ext uri="{FF2B5EF4-FFF2-40B4-BE49-F238E27FC236}">
+                <a16:creationId xmlns:a16="http://schemas.microsoft.com/office/drawing/2014/main" id="{86CC771F-92C3-3B63-855E-1B0125829EC3}"/>
+              </a:ext>
+            </a:extLst>
+          </p:cNvPr>
+          <p:cNvSpPr txBox="1"/>
+          <p:nvPr/>
+        </p:nvSpPr>
+        <p:spPr bwMode="auto">
+          <a:xfrm>
+            <a:off x="641268" y="1199408"/>
+            <a:ext cx="3218213" cy="307777"/>
+          </a:xfrm>
+          <a:prstGeom prst="rect">
+            <a:avLst/>
+          </a:prstGeom>
+          <a:noFill/>
+          <a:ln w="19050" algn="ctr">
+            <a:noFill/>
+            <a:miter lim="800000"/>
+          </a:ln>
+        </p:spPr>
+        <p:txBody>
+          <a:bodyPr wrap="square" lIns="0" tIns="0" rIns="0" bIns="0" rtlCol="0">
+            <a:spAutoFit/>
+          </a:bodyPr>
+          <a:lstStyle/>
+          <a:p>
+            <a:r>
+              <a:rPr lang="en-US" sz="2000" dirty="0"/>
+              <a:t>Demo Project</a:t>
+            </a:r>
+            <a:endParaRPr lang="en-IN" sz="2000" dirty="0" err="1"/>
+          </a:p>
+        </p:txBody>
+      </p:sp>
+      <p:graphicFrame>
+        <p:nvGraphicFramePr>
+          <p:cNvPr id="3" name="Object 2">
+            <a:hlinkClick r:id="rId2" action="ppaction://hlinkfile"/>
+            <a:extLst>
+              <a:ext uri="{FF2B5EF4-FFF2-40B4-BE49-F238E27FC236}">
+                <a16:creationId xmlns:a16="http://schemas.microsoft.com/office/drawing/2014/main" id="{FE5DB081-CC2F-15B9-5482-012DE1462762}"/>
+              </a:ext>
+            </a:extLst>
+          </p:cNvPr>
+          <p:cNvGraphicFramePr>
+            <a:graphicFrameLocks noChangeAspect="1"/>
+          </p:cNvGraphicFramePr>
+          <p:nvPr>
+            <p:extLst>
+              <p:ext uri="{D42A27DB-BD31-4B8C-83A1-F6EECF244321}">
+                <p14:modId xmlns:p14="http://schemas.microsoft.com/office/powerpoint/2010/main" val="3216680078"/>
+              </p:ext>
+            </p:extLst>
+          </p:nvPr>
+        </p:nvGraphicFramePr>
+        <p:xfrm>
+          <a:off x="3943350" y="2314575"/>
+          <a:ext cx="3224892" cy="1319274"/>
+        </p:xfrm>
+        <a:graphic>
+          <a:graphicData uri="http://schemas.openxmlformats.org/presentationml/2006/ole">
+            <mc:AlternateContent xmlns:mc="http://schemas.openxmlformats.org/markup-compatibility/2006">
+              <mc:Choice xmlns:v="urn:schemas-microsoft-com:vml" Requires="v">
+                <p:oleObj name="Packager Shell Object" showAsIcon="1" r:id="rId3" imgW="1257240" imgH="514326" progId="Package">
+                  <p:embed/>
+                </p:oleObj>
+              </mc:Choice>
+              <mc:Fallback>
+                <p:oleObj name="Packager Shell Object" showAsIcon="1" r:id="rId3" imgW="1257240" imgH="514326" progId="Package">
+                  <p:embed/>
+                  <p:pic>
+                    <p:nvPicPr>
+                      <p:cNvPr id="0" name=""/>
+                      <p:cNvPicPr/>
+                      <p:nvPr/>
+                    </p:nvPicPr>
+                    <p:blipFill>
+                      <a:blip r:embed="rId4"/>
+                      <a:stretch>
+                        <a:fillRect/>
+                      </a:stretch>
+                    </p:blipFill>
+                    <p:spPr>
+                      <a:xfrm>
+                        <a:off x="3943350" y="2314575"/>
+                        <a:ext cx="3224892" cy="1319274"/>
+                      </a:xfrm>
+                      <a:prstGeom prst="rect">
+                        <a:avLst/>
+                      </a:prstGeom>
+                    </p:spPr>
+                  </p:pic>
+                </p:oleObj>
+              </mc:Fallback>
+            </mc:AlternateContent>
+          </a:graphicData>
+        </a:graphic>
+      </p:graphicFrame>
     </p:spTree>
     <p:extLst>
       <p:ext uri="{BB962C8B-B14F-4D97-AF65-F5344CB8AC3E}">
-        <p14:creationId xmlns:p14="http://schemas.microsoft.com/office/powerpoint/2010/main" val="3154372604"/>
+        <p14:creationId xmlns:p14="http://schemas.microsoft.com/office/powerpoint/2010/main" val="3838852542"/>
       </p:ext>
     </p:extLst>
   </p:cSld>
@@ -5425,209 +6506,47 @@
       </p:sp>
       <p:sp>
         <p:nvSpPr>
-          <p:cNvPr id="5" name="Title 4"/>
-          <p:cNvSpPr>
-            <a:spLocks noGrp="1"/>
-          </p:cNvSpPr>
-          <p:nvPr>
-            <p:ph type="title"/>
-          </p:nvPr>
+          <p:cNvPr id="7" name="Text Box 6"/>
+          <p:cNvSpPr txBox="1"/>
+          <p:nvPr/>
         </p:nvSpPr>
         <p:spPr>
           <a:xfrm>
-            <a:off x="191135" y="109220"/>
-            <a:ext cx="7972425" cy="281616"/>
+            <a:off x="600710" y="2225040"/>
+            <a:ext cx="7943215" cy="2101850"/>
           </a:xfrm>
+          <a:prstGeom prst="rect">
+            <a:avLst/>
+          </a:prstGeom>
         </p:spPr>
         <p:txBody>
-          <a:bodyPr wrap="square"/>
+          <a:bodyPr wrap="square">
+            <a:noAutofit/>
+          </a:bodyPr>
           <a:lstStyle/>
           <a:p>
-            <a:pPr algn="l"/>
-            <a:r>
-              <a:rPr lang="en-IN" sz="1800" dirty="0"/>
-              <a:t>Handling sessions and cookies</a:t>
-            </a:r>
-            <a:endParaRPr lang="en-US" altLang="en-GB" sz="1800" dirty="0"/>
+            <a:pPr marL="457200" lvl="1" indent="457200" fontAlgn="base">
+              <a:spcBef>
+                <a:spcPts val="1400"/>
+              </a:spcBef>
+              <a:spcAft>
+                <a:spcPts val="400"/>
+              </a:spcAft>
+            </a:pPr>
+            <a:r>
+              <a:rPr lang="en-GB" sz="5400" b="0" i="0">
+                <a:solidFill>
+                  <a:srgbClr val="000000"/>
+                </a:solidFill>
+                <a:latin typeface="Arial" panose="020B0604020202020204"/>
+                <a:ea typeface="Arial" panose="020B0604020202020204"/>
+              </a:rPr>
+              <a:t>Thank You</a:t>
+            </a:r>
           </a:p>
         </p:txBody>
       </p:sp>
     </p:spTree>
-    <p:extLst>
-      <p:ext uri="{BB962C8B-B14F-4D97-AF65-F5344CB8AC3E}">
-        <p14:creationId xmlns:p14="http://schemas.microsoft.com/office/powerpoint/2010/main" val="3963694841"/>
-      </p:ext>
-    </p:extLst>
-  </p:cSld>
-  <p:clrMapOvr>
-    <a:masterClrMapping/>
-  </p:clrMapOvr>
-  <p:transition>
-    <p:fade/>
-  </p:transition>
-</p:sld>
-</file>
-
-<file path=ppt/slides/slide8.xml><?xml version="1.0" encoding="utf-8"?>
-<p:sld xmlns:a="http://schemas.openxmlformats.org/drawingml/2006/main" xmlns:r="http://schemas.openxmlformats.org/officeDocument/2006/relationships" xmlns:p="http://schemas.openxmlformats.org/presentationml/2006/main">
-  <p:cSld>
-    <p:spTree>
-      <p:nvGrpSpPr>
-        <p:cNvPr id="1" name=""/>
-        <p:cNvGrpSpPr/>
-        <p:nvPr/>
-      </p:nvGrpSpPr>
-      <p:grpSpPr>
-        <a:xfrm>
-          <a:off x="0" y="0"/>
-          <a:ext cx="0" cy="0"/>
-          <a:chOff x="0" y="0"/>
-          <a:chExt cx="0" cy="0"/>
-        </a:xfrm>
-      </p:grpSpPr>
-      <p:sp>
-        <p:nvSpPr>
-          <p:cNvPr id="4" name="Slide Number Placeholder 3"/>
-          <p:cNvSpPr>
-            <a:spLocks noGrp="1"/>
-          </p:cNvSpPr>
-          <p:nvPr>
-            <p:ph type="sldNum" sz="quarter" idx="12"/>
-          </p:nvPr>
-        </p:nvSpPr>
-        <p:spPr/>
-        <p:txBody>
-          <a:bodyPr/>
-          <a:lstStyle/>
-          <a:p>
-            <a:fld id="{CE02F3F4-978A-4F22-8904-DD1959DE0DD5}" type="slidenum">
-              <a:rPr lang="en-US" smtClean="0"/>
-              <a:t>8</a:t>
-            </a:fld>
-            <a:endParaRPr lang="en-US"/>
-          </a:p>
-        </p:txBody>
-      </p:sp>
-      <p:sp>
-        <p:nvSpPr>
-          <p:cNvPr id="5" name="Title 4"/>
-          <p:cNvSpPr>
-            <a:spLocks noGrp="1"/>
-          </p:cNvSpPr>
-          <p:nvPr>
-            <p:ph type="title"/>
-          </p:nvPr>
-        </p:nvSpPr>
-        <p:spPr>
-          <a:xfrm>
-            <a:off x="191135" y="109220"/>
-            <a:ext cx="7972425" cy="281616"/>
-          </a:xfrm>
-        </p:spPr>
-        <p:txBody>
-          <a:bodyPr wrap="square"/>
-          <a:lstStyle/>
-          <a:p>
-            <a:pPr algn="l"/>
-            <a:r>
-              <a:rPr lang="en-IN" sz="1800" dirty="0"/>
-              <a:t>Handling sessions and cookies</a:t>
-            </a:r>
-            <a:endParaRPr lang="en-US" altLang="en-GB" sz="1800" dirty="0"/>
-          </a:p>
-        </p:txBody>
-      </p:sp>
-    </p:spTree>
-    <p:extLst>
-      <p:ext uri="{BB962C8B-B14F-4D97-AF65-F5344CB8AC3E}">
-        <p14:creationId xmlns:p14="http://schemas.microsoft.com/office/powerpoint/2010/main" val="4036937847"/>
-      </p:ext>
-    </p:extLst>
-  </p:cSld>
-  <p:clrMapOvr>
-    <a:masterClrMapping/>
-  </p:clrMapOvr>
-  <p:transition>
-    <p:fade/>
-  </p:transition>
-</p:sld>
-</file>
-
-<file path=ppt/slides/slide9.xml><?xml version="1.0" encoding="utf-8"?>
-<p:sld xmlns:a="http://schemas.openxmlformats.org/drawingml/2006/main" xmlns:r="http://schemas.openxmlformats.org/officeDocument/2006/relationships" xmlns:p="http://schemas.openxmlformats.org/presentationml/2006/main">
-  <p:cSld>
-    <p:spTree>
-      <p:nvGrpSpPr>
-        <p:cNvPr id="1" name=""/>
-        <p:cNvGrpSpPr/>
-        <p:nvPr/>
-      </p:nvGrpSpPr>
-      <p:grpSpPr>
-        <a:xfrm>
-          <a:off x="0" y="0"/>
-          <a:ext cx="0" cy="0"/>
-          <a:chOff x="0" y="0"/>
-          <a:chExt cx="0" cy="0"/>
-        </a:xfrm>
-      </p:grpSpPr>
-      <p:sp>
-        <p:nvSpPr>
-          <p:cNvPr id="4" name="Slide Number Placeholder 3"/>
-          <p:cNvSpPr>
-            <a:spLocks noGrp="1"/>
-          </p:cNvSpPr>
-          <p:nvPr>
-            <p:ph type="sldNum" sz="quarter" idx="12"/>
-          </p:nvPr>
-        </p:nvSpPr>
-        <p:spPr/>
-        <p:txBody>
-          <a:bodyPr/>
-          <a:lstStyle/>
-          <a:p>
-            <a:fld id="{CE02F3F4-978A-4F22-8904-DD1959DE0DD5}" type="slidenum">
-              <a:rPr lang="en-US" smtClean="0"/>
-              <a:t>9</a:t>
-            </a:fld>
-            <a:endParaRPr lang="en-US"/>
-          </a:p>
-        </p:txBody>
-      </p:sp>
-      <p:sp>
-        <p:nvSpPr>
-          <p:cNvPr id="5" name="Title 4"/>
-          <p:cNvSpPr>
-            <a:spLocks noGrp="1"/>
-          </p:cNvSpPr>
-          <p:nvPr>
-            <p:ph type="title"/>
-          </p:nvPr>
-        </p:nvSpPr>
-        <p:spPr>
-          <a:xfrm>
-            <a:off x="191135" y="109220"/>
-            <a:ext cx="7972425" cy="281616"/>
-          </a:xfrm>
-        </p:spPr>
-        <p:txBody>
-          <a:bodyPr wrap="square"/>
-          <a:lstStyle/>
-          <a:p>
-            <a:pPr algn="l"/>
-            <a:r>
-              <a:rPr lang="en-IN" sz="1800" dirty="0"/>
-              <a:t>Handling sessions and cookies</a:t>
-            </a:r>
-            <a:endParaRPr lang="en-US" altLang="en-GB" sz="1800" dirty="0"/>
-          </a:p>
-        </p:txBody>
-      </p:sp>
-    </p:spTree>
-    <p:extLst>
-      <p:ext uri="{BB962C8B-B14F-4D97-AF65-F5344CB8AC3E}">
-        <p14:creationId xmlns:p14="http://schemas.microsoft.com/office/powerpoint/2010/main" val="3838852542"/>
-      </p:ext>
-    </p:extLst>
   </p:cSld>
   <p:clrMapOvr>
     <a:masterClrMapping/>
